--- a/template/core.pptx
+++ b/template/core.pptx
@@ -4423,33 +4423,9 @@
           </a:p>
         </p:txBody>
       </p:sp>
-      <p:pic>
-        <p:nvPicPr>
-          <p:cNvPr id="4" name="图片 3" descr="000390"/>
-          <p:cNvPicPr>
-            <a:picLocks noChangeAspect="1"/>
-          </p:cNvPicPr>
-          <p:nvPr/>
-        </p:nvPicPr>
-        <p:blipFill>
-          <a:blip r:embed="rId3"/>
-          <a:stretch>
-            <a:fillRect/>
-          </a:stretch>
-        </p:blipFill>
-        <p:spPr>
-          <a:xfrm>
-            <a:off x="5" y="-20"/>
-            <a:ext cx="10058400" cy="5641340"/>
-          </a:xfrm>
-          <a:prstGeom prst="rect">
-            <a:avLst/>
-          </a:prstGeom>
-        </p:spPr>
-      </p:pic>
     </p:spTree>
     <p:custDataLst>
-      <p:tags r:id="rId4"/>
+      <p:tags r:id="rId3"/>
     </p:custDataLst>
   </p:cSld>
   <p:clrMapOvr>
